--- a/# Powerpoint Workshop/home.pptx
+++ b/# Powerpoint Workshop/home.pptx
@@ -2,12 +2,13 @@
 <file path=ppt/presentation.xml><?xml version="1.0" encoding="utf-8"?>
 <p:presentation xmlns:a="http://schemas.openxmlformats.org/drawingml/2006/main" xmlns:r="http://schemas.openxmlformats.org/officeDocument/2006/relationships" xmlns:p="http://schemas.openxmlformats.org/presentationml/2006/main" saveSubsetFonts="1">
   <p:sldMasterIdLst>
-    <p:sldMasterId id="2147483660" r:id="rId1"/>
+    <p:sldMasterId id="2147483672" r:id="rId1"/>
   </p:sldMasterIdLst>
   <p:sldIdLst>
     <p:sldId id="256" r:id="rId2"/>
+    <p:sldId id="257" r:id="rId3"/>
   </p:sldIdLst>
-  <p:sldSz cx="51206400" cy="5943600"/>
+  <p:sldSz cx="51206400" cy="51206400"/>
   <p:notesSz cx="6858000" cy="9144000"/>
   <p:defaultTextStyle>
     <a:defPPr>
@@ -104,6 +105,11 @@
       </a:defRPr>
     </a:lvl9pPr>
   </p:defaultTextStyle>
+  <p:extLst>
+    <p:ext uri="{EFAFB233-063F-42B5-8137-9DF3F51BA10A}">
+      <p15:sldGuideLst xmlns:p15="http://schemas.microsoft.com/office/powerpoint/2012/main"/>
+    </p:ext>
+  </p:extLst>
 </p:presentation>
 </file>
 
@@ -136,15 +142,15 @@
         </p:nvSpPr>
         <p:spPr>
           <a:xfrm>
-            <a:off x="6400800" y="972715"/>
-            <a:ext cx="38404800" cy="2069253"/>
+            <a:off x="3840480" y="8380311"/>
+            <a:ext cx="43525440" cy="17827413"/>
           </a:xfrm>
         </p:spPr>
         <p:txBody>
           <a:bodyPr anchor="b"/>
           <a:lstStyle>
             <a:lvl1pPr algn="ctr">
-              <a:defRPr sz="5200"/>
+              <a:defRPr sz="33600"/>
             </a:lvl1pPr>
           </a:lstStyle>
           <a:p>
@@ -168,8 +174,8 @@
         </p:nvSpPr>
         <p:spPr>
           <a:xfrm>
-            <a:off x="6400800" y="3121766"/>
-            <a:ext cx="38404800" cy="1434994"/>
+            <a:off x="6400800" y="26895217"/>
+            <a:ext cx="38404800" cy="12363023"/>
           </a:xfrm>
         </p:spPr>
         <p:txBody>
@@ -177,39 +183,39 @@
           <a:lstStyle>
             <a:lvl1pPr marL="0" indent="0" algn="ctr">
               <a:buNone/>
-              <a:defRPr sz="2080"/>
+              <a:defRPr sz="13440"/>
             </a:lvl1pPr>
-            <a:lvl2pPr marL="396255" indent="0" algn="ctr">
-              <a:buNone/>
-              <a:defRPr sz="1733"/>
+            <a:lvl2pPr marL="2560320" indent="0" algn="ctr">
+              <a:buNone/>
+              <a:defRPr sz="11200"/>
             </a:lvl2pPr>
-            <a:lvl3pPr marL="792510" indent="0" algn="ctr">
-              <a:buNone/>
-              <a:defRPr sz="1560"/>
+            <a:lvl3pPr marL="5120640" indent="0" algn="ctr">
+              <a:buNone/>
+              <a:defRPr sz="10080"/>
             </a:lvl3pPr>
-            <a:lvl4pPr marL="1188766" indent="0" algn="ctr">
-              <a:buNone/>
-              <a:defRPr sz="1387"/>
+            <a:lvl4pPr marL="7680960" indent="0" algn="ctr">
+              <a:buNone/>
+              <a:defRPr sz="8960"/>
             </a:lvl4pPr>
-            <a:lvl5pPr marL="1585021" indent="0" algn="ctr">
-              <a:buNone/>
-              <a:defRPr sz="1387"/>
+            <a:lvl5pPr marL="10241280" indent="0" algn="ctr">
+              <a:buNone/>
+              <a:defRPr sz="8960"/>
             </a:lvl5pPr>
-            <a:lvl6pPr marL="1981276" indent="0" algn="ctr">
-              <a:buNone/>
-              <a:defRPr sz="1387"/>
+            <a:lvl6pPr marL="12801600" indent="0" algn="ctr">
+              <a:buNone/>
+              <a:defRPr sz="8960"/>
             </a:lvl6pPr>
-            <a:lvl7pPr marL="2377531" indent="0" algn="ctr">
-              <a:buNone/>
-              <a:defRPr sz="1387"/>
+            <a:lvl7pPr marL="15361920" indent="0" algn="ctr">
+              <a:buNone/>
+              <a:defRPr sz="8960"/>
             </a:lvl7pPr>
-            <a:lvl8pPr marL="2773787" indent="0" algn="ctr">
-              <a:buNone/>
-              <a:defRPr sz="1387"/>
+            <a:lvl8pPr marL="17922240" indent="0" algn="ctr">
+              <a:buNone/>
+              <a:defRPr sz="8960"/>
             </a:lvl8pPr>
-            <a:lvl9pPr marL="3170042" indent="0" algn="ctr">
-              <a:buNone/>
-              <a:defRPr sz="1387"/>
+            <a:lvl9pPr marL="20482560" indent="0" algn="ctr">
+              <a:buNone/>
+              <a:defRPr sz="8960"/>
             </a:lvl9pPr>
           </a:lstStyle>
           <a:p>
@@ -238,7 +244,7 @@
           <a:p>
             <a:fld id="{4FC668C3-4E25-41EF-B5F7-F4E460CC6D74}" type="datetimeFigureOut">
               <a:rPr lang="en-US" smtClean="0"/>
-              <a:t>7/22/2020</a:t>
+              <a:t>7/25/2020</a:t>
             </a:fld>
             <a:endParaRPr lang="en-US"/>
           </a:p>
@@ -289,7 +295,7 @@
     </p:spTree>
     <p:extLst>
       <p:ext uri="{BB962C8B-B14F-4D97-AF65-F5344CB8AC3E}">
-        <p14:creationId xmlns:p14="http://schemas.microsoft.com/office/powerpoint/2010/main" val="1390926041"/>
+        <p14:creationId xmlns:p14="http://schemas.microsoft.com/office/powerpoint/2010/main" val="875887102"/>
       </p:ext>
     </p:extLst>
   </p:cSld>
@@ -408,7 +414,7 @@
           <a:p>
             <a:fld id="{4FC668C3-4E25-41EF-B5F7-F4E460CC6D74}" type="datetimeFigureOut">
               <a:rPr lang="en-US" smtClean="0"/>
-              <a:t>7/22/2020</a:t>
+              <a:t>7/25/2020</a:t>
             </a:fld>
             <a:endParaRPr lang="en-US"/>
           </a:p>
@@ -459,7 +465,7 @@
     </p:spTree>
     <p:extLst>
       <p:ext uri="{BB962C8B-B14F-4D97-AF65-F5344CB8AC3E}">
-        <p14:creationId xmlns:p14="http://schemas.microsoft.com/office/powerpoint/2010/main" val="992149923"/>
+        <p14:creationId xmlns:p14="http://schemas.microsoft.com/office/powerpoint/2010/main" val="2739792425"/>
       </p:ext>
     </p:extLst>
   </p:cSld>
@@ -498,8 +504,8 @@
         </p:nvSpPr>
         <p:spPr>
           <a:xfrm>
-            <a:off x="36644580" y="316442"/>
-            <a:ext cx="11041380" cy="5036926"/>
+            <a:off x="36644583" y="2726267"/>
+            <a:ext cx="11041380" cy="43395057"/>
           </a:xfrm>
         </p:spPr>
         <p:txBody>
@@ -526,8 +532,8 @@
         </p:nvSpPr>
         <p:spPr>
           <a:xfrm>
-            <a:off x="3520440" y="316442"/>
-            <a:ext cx="32484060" cy="5036926"/>
+            <a:off x="3520443" y="2726267"/>
+            <a:ext cx="32484060" cy="43395057"/>
           </a:xfrm>
         </p:spPr>
         <p:txBody>
@@ -588,7 +594,7 @@
           <a:p>
             <a:fld id="{4FC668C3-4E25-41EF-B5F7-F4E460CC6D74}" type="datetimeFigureOut">
               <a:rPr lang="en-US" smtClean="0"/>
-              <a:t>7/22/2020</a:t>
+              <a:t>7/25/2020</a:t>
             </a:fld>
             <a:endParaRPr lang="en-US"/>
           </a:p>
@@ -639,7 +645,7 @@
     </p:spTree>
     <p:extLst>
       <p:ext uri="{BB962C8B-B14F-4D97-AF65-F5344CB8AC3E}">
-        <p14:creationId xmlns:p14="http://schemas.microsoft.com/office/powerpoint/2010/main" val="2123581669"/>
+        <p14:creationId xmlns:p14="http://schemas.microsoft.com/office/powerpoint/2010/main" val="1736297586"/>
       </p:ext>
     </p:extLst>
   </p:cSld>
@@ -758,7 +764,7 @@
           <a:p>
             <a:fld id="{4FC668C3-4E25-41EF-B5F7-F4E460CC6D74}" type="datetimeFigureOut">
               <a:rPr lang="en-US" smtClean="0"/>
-              <a:t>7/22/2020</a:t>
+              <a:t>7/25/2020</a:t>
             </a:fld>
             <a:endParaRPr lang="en-US"/>
           </a:p>
@@ -809,7 +815,7 @@
     </p:spTree>
     <p:extLst>
       <p:ext uri="{BB962C8B-B14F-4D97-AF65-F5344CB8AC3E}">
-        <p14:creationId xmlns:p14="http://schemas.microsoft.com/office/powerpoint/2010/main" val="292527444"/>
+        <p14:creationId xmlns:p14="http://schemas.microsoft.com/office/powerpoint/2010/main" val="779944888"/>
       </p:ext>
     </p:extLst>
   </p:cSld>
@@ -848,15 +854,15 @@
         </p:nvSpPr>
         <p:spPr>
           <a:xfrm>
-            <a:off x="3493770" y="1481773"/>
-            <a:ext cx="44165520" cy="2472372"/>
+            <a:off x="3493773" y="12766055"/>
+            <a:ext cx="44165520" cy="21300436"/>
           </a:xfrm>
         </p:spPr>
         <p:txBody>
           <a:bodyPr anchor="b"/>
           <a:lstStyle>
             <a:lvl1pPr>
-              <a:defRPr sz="5200"/>
+              <a:defRPr sz="33600"/>
             </a:lvl1pPr>
           </a:lstStyle>
           <a:p>
@@ -880,8 +886,8 @@
         </p:nvSpPr>
         <p:spPr>
           <a:xfrm>
-            <a:off x="3493770" y="3977535"/>
-            <a:ext cx="44165520" cy="1300162"/>
+            <a:off x="3493773" y="34268002"/>
+            <a:ext cx="44165520" cy="11201396"/>
           </a:xfrm>
         </p:spPr>
         <p:txBody>
@@ -889,17 +895,15 @@
           <a:lstStyle>
             <a:lvl1pPr marL="0" indent="0">
               <a:buNone/>
-              <a:defRPr sz="2080">
+              <a:defRPr sz="13440">
                 <a:solidFill>
-                  <a:schemeClr val="tx1">
-                    <a:tint val="75000"/>
-                  </a:schemeClr>
+                  <a:schemeClr val="tx1"/>
                 </a:solidFill>
               </a:defRPr>
             </a:lvl1pPr>
-            <a:lvl2pPr marL="396255" indent="0">
-              <a:buNone/>
-              <a:defRPr sz="1733">
+            <a:lvl2pPr marL="2560320" indent="0">
+              <a:buNone/>
+              <a:defRPr sz="11200">
                 <a:solidFill>
                   <a:schemeClr val="tx1">
                     <a:tint val="75000"/>
@@ -907,9 +911,9 @@
                 </a:solidFill>
               </a:defRPr>
             </a:lvl2pPr>
-            <a:lvl3pPr marL="792510" indent="0">
-              <a:buNone/>
-              <a:defRPr sz="1560">
+            <a:lvl3pPr marL="5120640" indent="0">
+              <a:buNone/>
+              <a:defRPr sz="10080">
                 <a:solidFill>
                   <a:schemeClr val="tx1">
                     <a:tint val="75000"/>
@@ -917,9 +921,9 @@
                 </a:solidFill>
               </a:defRPr>
             </a:lvl3pPr>
-            <a:lvl4pPr marL="1188766" indent="0">
-              <a:buNone/>
-              <a:defRPr sz="1387">
+            <a:lvl4pPr marL="7680960" indent="0">
+              <a:buNone/>
+              <a:defRPr sz="8960">
                 <a:solidFill>
                   <a:schemeClr val="tx1">
                     <a:tint val="75000"/>
@@ -927,9 +931,9 @@
                 </a:solidFill>
               </a:defRPr>
             </a:lvl4pPr>
-            <a:lvl5pPr marL="1585021" indent="0">
-              <a:buNone/>
-              <a:defRPr sz="1387">
+            <a:lvl5pPr marL="10241280" indent="0">
+              <a:buNone/>
+              <a:defRPr sz="8960">
                 <a:solidFill>
                   <a:schemeClr val="tx1">
                     <a:tint val="75000"/>
@@ -937,9 +941,9 @@
                 </a:solidFill>
               </a:defRPr>
             </a:lvl5pPr>
-            <a:lvl6pPr marL="1981276" indent="0">
-              <a:buNone/>
-              <a:defRPr sz="1387">
+            <a:lvl6pPr marL="12801600" indent="0">
+              <a:buNone/>
+              <a:defRPr sz="8960">
                 <a:solidFill>
                   <a:schemeClr val="tx1">
                     <a:tint val="75000"/>
@@ -947,9 +951,9 @@
                 </a:solidFill>
               </a:defRPr>
             </a:lvl6pPr>
-            <a:lvl7pPr marL="2377531" indent="0">
-              <a:buNone/>
-              <a:defRPr sz="1387">
+            <a:lvl7pPr marL="15361920" indent="0">
+              <a:buNone/>
+              <a:defRPr sz="8960">
                 <a:solidFill>
                   <a:schemeClr val="tx1">
                     <a:tint val="75000"/>
@@ -957,9 +961,9 @@
                 </a:solidFill>
               </a:defRPr>
             </a:lvl7pPr>
-            <a:lvl8pPr marL="2773787" indent="0">
-              <a:buNone/>
-              <a:defRPr sz="1387">
+            <a:lvl8pPr marL="17922240" indent="0">
+              <a:buNone/>
+              <a:defRPr sz="8960">
                 <a:solidFill>
                   <a:schemeClr val="tx1">
                     <a:tint val="75000"/>
@@ -967,9 +971,9 @@
                 </a:solidFill>
               </a:defRPr>
             </a:lvl8pPr>
-            <a:lvl9pPr marL="3170042" indent="0">
-              <a:buNone/>
-              <a:defRPr sz="1387">
+            <a:lvl9pPr marL="20482560" indent="0">
+              <a:buNone/>
+              <a:defRPr sz="8960">
                 <a:solidFill>
                   <a:schemeClr val="tx1">
                     <a:tint val="75000"/>
@@ -1004,7 +1008,7 @@
           <a:p>
             <a:fld id="{4FC668C3-4E25-41EF-B5F7-F4E460CC6D74}" type="datetimeFigureOut">
               <a:rPr lang="en-US" smtClean="0"/>
-              <a:t>7/22/2020</a:t>
+              <a:t>7/25/2020</a:t>
             </a:fld>
             <a:endParaRPr lang="en-US"/>
           </a:p>
@@ -1055,7 +1059,7 @@
     </p:spTree>
     <p:extLst>
       <p:ext uri="{BB962C8B-B14F-4D97-AF65-F5344CB8AC3E}">
-        <p14:creationId xmlns:p14="http://schemas.microsoft.com/office/powerpoint/2010/main" val="3080663651"/>
+        <p14:creationId xmlns:p14="http://schemas.microsoft.com/office/powerpoint/2010/main" val="3196009236"/>
       </p:ext>
     </p:extLst>
   </p:cSld>
@@ -1117,8 +1121,8 @@
         </p:nvSpPr>
         <p:spPr>
           <a:xfrm>
-            <a:off x="3520440" y="1582208"/>
-            <a:ext cx="21762720" cy="3771160"/>
+            <a:off x="3520440" y="13631334"/>
+            <a:ext cx="21762720" cy="32489990"/>
           </a:xfrm>
         </p:spPr>
         <p:txBody>
@@ -1174,8 +1178,8 @@
         </p:nvSpPr>
         <p:spPr>
           <a:xfrm>
-            <a:off x="25923240" y="1582208"/>
-            <a:ext cx="21762720" cy="3771160"/>
+            <a:off x="25923240" y="13631334"/>
+            <a:ext cx="21762720" cy="32489990"/>
           </a:xfrm>
         </p:spPr>
         <p:txBody>
@@ -1236,7 +1240,7 @@
           <a:p>
             <a:fld id="{4FC668C3-4E25-41EF-B5F7-F4E460CC6D74}" type="datetimeFigureOut">
               <a:rPr lang="en-US" smtClean="0"/>
-              <a:t>7/22/2020</a:t>
+              <a:t>7/25/2020</a:t>
             </a:fld>
             <a:endParaRPr lang="en-US"/>
           </a:p>
@@ -1287,7 +1291,7 @@
     </p:spTree>
     <p:extLst>
       <p:ext uri="{BB962C8B-B14F-4D97-AF65-F5344CB8AC3E}">
-        <p14:creationId xmlns:p14="http://schemas.microsoft.com/office/powerpoint/2010/main" val="1660397721"/>
+        <p14:creationId xmlns:p14="http://schemas.microsoft.com/office/powerpoint/2010/main" val="1625952516"/>
       </p:ext>
     </p:extLst>
   </p:cSld>
@@ -1326,8 +1330,8 @@
         </p:nvSpPr>
         <p:spPr>
           <a:xfrm>
-            <a:off x="3527110" y="316442"/>
-            <a:ext cx="44165520" cy="1148821"/>
+            <a:off x="3527110" y="2726278"/>
+            <a:ext cx="44165520" cy="9897537"/>
           </a:xfrm>
         </p:spPr>
         <p:txBody>
@@ -1354,8 +1358,8 @@
         </p:nvSpPr>
         <p:spPr>
           <a:xfrm>
-            <a:off x="3527112" y="1457008"/>
-            <a:ext cx="21662705" cy="714057"/>
+            <a:off x="3527115" y="12552684"/>
+            <a:ext cx="21662704" cy="6151876"/>
           </a:xfrm>
         </p:spPr>
         <p:txBody>
@@ -1363,39 +1367,39 @@
           <a:lstStyle>
             <a:lvl1pPr marL="0" indent="0">
               <a:buNone/>
-              <a:defRPr sz="2080" b="1"/>
+              <a:defRPr sz="13440" b="1"/>
             </a:lvl1pPr>
-            <a:lvl2pPr marL="396255" indent="0">
-              <a:buNone/>
-              <a:defRPr sz="1733" b="1"/>
+            <a:lvl2pPr marL="2560320" indent="0">
+              <a:buNone/>
+              <a:defRPr sz="11200" b="1"/>
             </a:lvl2pPr>
-            <a:lvl3pPr marL="792510" indent="0">
-              <a:buNone/>
-              <a:defRPr sz="1560" b="1"/>
+            <a:lvl3pPr marL="5120640" indent="0">
+              <a:buNone/>
+              <a:defRPr sz="10080" b="1"/>
             </a:lvl3pPr>
-            <a:lvl4pPr marL="1188766" indent="0">
-              <a:buNone/>
-              <a:defRPr sz="1387" b="1"/>
+            <a:lvl4pPr marL="7680960" indent="0">
+              <a:buNone/>
+              <a:defRPr sz="8960" b="1"/>
             </a:lvl4pPr>
-            <a:lvl5pPr marL="1585021" indent="0">
-              <a:buNone/>
-              <a:defRPr sz="1387" b="1"/>
+            <a:lvl5pPr marL="10241280" indent="0">
+              <a:buNone/>
+              <a:defRPr sz="8960" b="1"/>
             </a:lvl5pPr>
-            <a:lvl6pPr marL="1981276" indent="0">
-              <a:buNone/>
-              <a:defRPr sz="1387" b="1"/>
+            <a:lvl6pPr marL="12801600" indent="0">
+              <a:buNone/>
+              <a:defRPr sz="8960" b="1"/>
             </a:lvl6pPr>
-            <a:lvl7pPr marL="2377531" indent="0">
-              <a:buNone/>
-              <a:defRPr sz="1387" b="1"/>
+            <a:lvl7pPr marL="15361920" indent="0">
+              <a:buNone/>
+              <a:defRPr sz="8960" b="1"/>
             </a:lvl7pPr>
-            <a:lvl8pPr marL="2773787" indent="0">
-              <a:buNone/>
-              <a:defRPr sz="1387" b="1"/>
+            <a:lvl8pPr marL="17922240" indent="0">
+              <a:buNone/>
+              <a:defRPr sz="8960" b="1"/>
             </a:lvl8pPr>
-            <a:lvl9pPr marL="3170042" indent="0">
-              <a:buNone/>
-              <a:defRPr sz="1387" b="1"/>
+            <a:lvl9pPr marL="20482560" indent="0">
+              <a:buNone/>
+              <a:defRPr sz="8960" b="1"/>
             </a:lvl9pPr>
           </a:lstStyle>
           <a:p>
@@ -1419,8 +1423,8 @@
         </p:nvSpPr>
         <p:spPr>
           <a:xfrm>
-            <a:off x="3527112" y="2171065"/>
-            <a:ext cx="21662705" cy="3193310"/>
+            <a:off x="3527115" y="18704560"/>
+            <a:ext cx="21662704" cy="27511590"/>
           </a:xfrm>
         </p:spPr>
         <p:txBody>
@@ -1476,8 +1480,8 @@
         </p:nvSpPr>
         <p:spPr>
           <a:xfrm>
-            <a:off x="25923240" y="1457008"/>
-            <a:ext cx="21769390" cy="714057"/>
+            <a:off x="25923243" y="12552684"/>
+            <a:ext cx="21769390" cy="6151876"/>
           </a:xfrm>
         </p:spPr>
         <p:txBody>
@@ -1485,39 +1489,39 @@
           <a:lstStyle>
             <a:lvl1pPr marL="0" indent="0">
               <a:buNone/>
-              <a:defRPr sz="2080" b="1"/>
+              <a:defRPr sz="13440" b="1"/>
             </a:lvl1pPr>
-            <a:lvl2pPr marL="396255" indent="0">
-              <a:buNone/>
-              <a:defRPr sz="1733" b="1"/>
+            <a:lvl2pPr marL="2560320" indent="0">
+              <a:buNone/>
+              <a:defRPr sz="11200" b="1"/>
             </a:lvl2pPr>
-            <a:lvl3pPr marL="792510" indent="0">
-              <a:buNone/>
-              <a:defRPr sz="1560" b="1"/>
+            <a:lvl3pPr marL="5120640" indent="0">
+              <a:buNone/>
+              <a:defRPr sz="10080" b="1"/>
             </a:lvl3pPr>
-            <a:lvl4pPr marL="1188766" indent="0">
-              <a:buNone/>
-              <a:defRPr sz="1387" b="1"/>
+            <a:lvl4pPr marL="7680960" indent="0">
+              <a:buNone/>
+              <a:defRPr sz="8960" b="1"/>
             </a:lvl4pPr>
-            <a:lvl5pPr marL="1585021" indent="0">
-              <a:buNone/>
-              <a:defRPr sz="1387" b="1"/>
+            <a:lvl5pPr marL="10241280" indent="0">
+              <a:buNone/>
+              <a:defRPr sz="8960" b="1"/>
             </a:lvl5pPr>
-            <a:lvl6pPr marL="1981276" indent="0">
-              <a:buNone/>
-              <a:defRPr sz="1387" b="1"/>
+            <a:lvl6pPr marL="12801600" indent="0">
+              <a:buNone/>
+              <a:defRPr sz="8960" b="1"/>
             </a:lvl6pPr>
-            <a:lvl7pPr marL="2377531" indent="0">
-              <a:buNone/>
-              <a:defRPr sz="1387" b="1"/>
+            <a:lvl7pPr marL="15361920" indent="0">
+              <a:buNone/>
+              <a:defRPr sz="8960" b="1"/>
             </a:lvl7pPr>
-            <a:lvl8pPr marL="2773787" indent="0">
-              <a:buNone/>
-              <a:defRPr sz="1387" b="1"/>
+            <a:lvl8pPr marL="17922240" indent="0">
+              <a:buNone/>
+              <a:defRPr sz="8960" b="1"/>
             </a:lvl8pPr>
-            <a:lvl9pPr marL="3170042" indent="0">
-              <a:buNone/>
-              <a:defRPr sz="1387" b="1"/>
+            <a:lvl9pPr marL="20482560" indent="0">
+              <a:buNone/>
+              <a:defRPr sz="8960" b="1"/>
             </a:lvl9pPr>
           </a:lstStyle>
           <a:p>
@@ -1541,8 +1545,8 @@
         </p:nvSpPr>
         <p:spPr>
           <a:xfrm>
-            <a:off x="25923240" y="2171065"/>
-            <a:ext cx="21769390" cy="3193310"/>
+            <a:off x="25923243" y="18704560"/>
+            <a:ext cx="21769390" cy="27511590"/>
           </a:xfrm>
         </p:spPr>
         <p:txBody>
@@ -1603,7 +1607,7 @@
           <a:p>
             <a:fld id="{4FC668C3-4E25-41EF-B5F7-F4E460CC6D74}" type="datetimeFigureOut">
               <a:rPr lang="en-US" smtClean="0"/>
-              <a:t>7/22/2020</a:t>
+              <a:t>7/25/2020</a:t>
             </a:fld>
             <a:endParaRPr lang="en-US"/>
           </a:p>
@@ -1654,7 +1658,7 @@
     </p:spTree>
     <p:extLst>
       <p:ext uri="{BB962C8B-B14F-4D97-AF65-F5344CB8AC3E}">
-        <p14:creationId xmlns:p14="http://schemas.microsoft.com/office/powerpoint/2010/main" val="1228180991"/>
+        <p14:creationId xmlns:p14="http://schemas.microsoft.com/office/powerpoint/2010/main" val="1225573298"/>
       </p:ext>
     </p:extLst>
   </p:cSld>
@@ -1721,7 +1725,7 @@
           <a:p>
             <a:fld id="{4FC668C3-4E25-41EF-B5F7-F4E460CC6D74}" type="datetimeFigureOut">
               <a:rPr lang="en-US" smtClean="0"/>
-              <a:t>7/22/2020</a:t>
+              <a:t>7/25/2020</a:t>
             </a:fld>
             <a:endParaRPr lang="en-US"/>
           </a:p>
@@ -1772,7 +1776,7 @@
     </p:spTree>
     <p:extLst>
       <p:ext uri="{BB962C8B-B14F-4D97-AF65-F5344CB8AC3E}">
-        <p14:creationId xmlns:p14="http://schemas.microsoft.com/office/powerpoint/2010/main" val="1123212645"/>
+        <p14:creationId xmlns:p14="http://schemas.microsoft.com/office/powerpoint/2010/main" val="2225094678"/>
       </p:ext>
     </p:extLst>
   </p:cSld>
@@ -1816,7 +1820,7 @@
           <a:p>
             <a:fld id="{4FC668C3-4E25-41EF-B5F7-F4E460CC6D74}" type="datetimeFigureOut">
               <a:rPr lang="en-US" smtClean="0"/>
-              <a:t>7/22/2020</a:t>
+              <a:t>7/25/2020</a:t>
             </a:fld>
             <a:endParaRPr lang="en-US"/>
           </a:p>
@@ -1867,7 +1871,7 @@
     </p:spTree>
     <p:extLst>
       <p:ext uri="{BB962C8B-B14F-4D97-AF65-F5344CB8AC3E}">
-        <p14:creationId xmlns:p14="http://schemas.microsoft.com/office/powerpoint/2010/main" val="16981344"/>
+        <p14:creationId xmlns:p14="http://schemas.microsoft.com/office/powerpoint/2010/main" val="2130638301"/>
       </p:ext>
     </p:extLst>
   </p:cSld>
@@ -1906,15 +1910,15 @@
         </p:nvSpPr>
         <p:spPr>
           <a:xfrm>
-            <a:off x="3527112" y="396240"/>
-            <a:ext cx="16515395" cy="1386840"/>
+            <a:off x="3527110" y="3413760"/>
+            <a:ext cx="16515397" cy="11948160"/>
           </a:xfrm>
         </p:spPr>
         <p:txBody>
           <a:bodyPr anchor="b"/>
           <a:lstStyle>
             <a:lvl1pPr>
-              <a:defRPr sz="2773"/>
+              <a:defRPr sz="17920"/>
             </a:lvl1pPr>
           </a:lstStyle>
           <a:p>
@@ -1938,39 +1942,39 @@
         </p:nvSpPr>
         <p:spPr>
           <a:xfrm>
-            <a:off x="21769390" y="855769"/>
-            <a:ext cx="25923240" cy="4223808"/>
+            <a:off x="21769390" y="7372785"/>
+            <a:ext cx="25923240" cy="36389733"/>
           </a:xfrm>
         </p:spPr>
         <p:txBody>
           <a:bodyPr/>
           <a:lstStyle>
             <a:lvl1pPr>
-              <a:defRPr sz="2773"/>
+              <a:defRPr sz="17920"/>
             </a:lvl1pPr>
             <a:lvl2pPr>
-              <a:defRPr sz="2427"/>
+              <a:defRPr sz="15680"/>
             </a:lvl2pPr>
             <a:lvl3pPr>
-              <a:defRPr sz="2080"/>
+              <a:defRPr sz="13440"/>
             </a:lvl3pPr>
             <a:lvl4pPr>
-              <a:defRPr sz="1733"/>
+              <a:defRPr sz="11200"/>
             </a:lvl4pPr>
             <a:lvl5pPr>
-              <a:defRPr sz="1733"/>
+              <a:defRPr sz="11200"/>
             </a:lvl5pPr>
             <a:lvl6pPr>
-              <a:defRPr sz="1733"/>
+              <a:defRPr sz="11200"/>
             </a:lvl6pPr>
             <a:lvl7pPr>
-              <a:defRPr sz="1733"/>
+              <a:defRPr sz="11200"/>
             </a:lvl7pPr>
             <a:lvl8pPr>
-              <a:defRPr sz="1733"/>
+              <a:defRPr sz="11200"/>
             </a:lvl8pPr>
             <a:lvl9pPr>
-              <a:defRPr sz="1733"/>
+              <a:defRPr sz="11200"/>
             </a:lvl9pPr>
           </a:lstStyle>
           <a:p>
@@ -2023,8 +2027,8 @@
         </p:nvSpPr>
         <p:spPr>
           <a:xfrm>
-            <a:off x="3527112" y="1783080"/>
-            <a:ext cx="16515395" cy="3303376"/>
+            <a:off x="3527110" y="15361920"/>
+            <a:ext cx="16515397" cy="28459857"/>
           </a:xfrm>
         </p:spPr>
         <p:txBody>
@@ -2032,39 +2036,39 @@
           <a:lstStyle>
             <a:lvl1pPr marL="0" indent="0">
               <a:buNone/>
-              <a:defRPr sz="1387"/>
+              <a:defRPr sz="8960"/>
             </a:lvl1pPr>
-            <a:lvl2pPr marL="396255" indent="0">
-              <a:buNone/>
-              <a:defRPr sz="1213"/>
+            <a:lvl2pPr marL="2560320" indent="0">
+              <a:buNone/>
+              <a:defRPr sz="7840"/>
             </a:lvl2pPr>
-            <a:lvl3pPr marL="792510" indent="0">
-              <a:buNone/>
-              <a:defRPr sz="1040"/>
+            <a:lvl3pPr marL="5120640" indent="0">
+              <a:buNone/>
+              <a:defRPr sz="6720"/>
             </a:lvl3pPr>
-            <a:lvl4pPr marL="1188766" indent="0">
-              <a:buNone/>
-              <a:defRPr sz="867"/>
+            <a:lvl4pPr marL="7680960" indent="0">
+              <a:buNone/>
+              <a:defRPr sz="5600"/>
             </a:lvl4pPr>
-            <a:lvl5pPr marL="1585021" indent="0">
-              <a:buNone/>
-              <a:defRPr sz="867"/>
+            <a:lvl5pPr marL="10241280" indent="0">
+              <a:buNone/>
+              <a:defRPr sz="5600"/>
             </a:lvl5pPr>
-            <a:lvl6pPr marL="1981276" indent="0">
-              <a:buNone/>
-              <a:defRPr sz="867"/>
+            <a:lvl6pPr marL="12801600" indent="0">
+              <a:buNone/>
+              <a:defRPr sz="5600"/>
             </a:lvl6pPr>
-            <a:lvl7pPr marL="2377531" indent="0">
-              <a:buNone/>
-              <a:defRPr sz="867"/>
+            <a:lvl7pPr marL="15361920" indent="0">
+              <a:buNone/>
+              <a:defRPr sz="5600"/>
             </a:lvl7pPr>
-            <a:lvl8pPr marL="2773787" indent="0">
-              <a:buNone/>
-              <a:defRPr sz="867"/>
+            <a:lvl8pPr marL="17922240" indent="0">
+              <a:buNone/>
+              <a:defRPr sz="5600"/>
             </a:lvl8pPr>
-            <a:lvl9pPr marL="3170042" indent="0">
-              <a:buNone/>
-              <a:defRPr sz="867"/>
+            <a:lvl9pPr marL="20482560" indent="0">
+              <a:buNone/>
+              <a:defRPr sz="5600"/>
             </a:lvl9pPr>
           </a:lstStyle>
           <a:p>
@@ -2093,7 +2097,7 @@
           <a:p>
             <a:fld id="{4FC668C3-4E25-41EF-B5F7-F4E460CC6D74}" type="datetimeFigureOut">
               <a:rPr lang="en-US" smtClean="0"/>
-              <a:t>7/22/2020</a:t>
+              <a:t>7/25/2020</a:t>
             </a:fld>
             <a:endParaRPr lang="en-US"/>
           </a:p>
@@ -2144,7 +2148,7 @@
     </p:spTree>
     <p:extLst>
       <p:ext uri="{BB962C8B-B14F-4D97-AF65-F5344CB8AC3E}">
-        <p14:creationId xmlns:p14="http://schemas.microsoft.com/office/powerpoint/2010/main" val="281054937"/>
+        <p14:creationId xmlns:p14="http://schemas.microsoft.com/office/powerpoint/2010/main" val="1672006540"/>
       </p:ext>
     </p:extLst>
   </p:cSld>
@@ -2183,15 +2187,15 @@
         </p:nvSpPr>
         <p:spPr>
           <a:xfrm>
-            <a:off x="3527112" y="396240"/>
-            <a:ext cx="16515395" cy="1386840"/>
+            <a:off x="3527110" y="3413760"/>
+            <a:ext cx="16515397" cy="11948160"/>
           </a:xfrm>
         </p:spPr>
         <p:txBody>
           <a:bodyPr anchor="b"/>
           <a:lstStyle>
             <a:lvl1pPr>
-              <a:defRPr sz="2773"/>
+              <a:defRPr sz="17920"/>
             </a:lvl1pPr>
           </a:lstStyle>
           <a:p>
@@ -2215,8 +2219,8 @@
         </p:nvSpPr>
         <p:spPr>
           <a:xfrm>
-            <a:off x="21769390" y="855769"/>
-            <a:ext cx="25923240" cy="4223808"/>
+            <a:off x="21769390" y="7372785"/>
+            <a:ext cx="25923240" cy="36389733"/>
           </a:xfrm>
         </p:spPr>
         <p:txBody>
@@ -2224,39 +2228,39 @@
           <a:lstStyle>
             <a:lvl1pPr marL="0" indent="0">
               <a:buNone/>
-              <a:defRPr sz="2773"/>
+              <a:defRPr sz="17920"/>
             </a:lvl1pPr>
-            <a:lvl2pPr marL="396255" indent="0">
-              <a:buNone/>
-              <a:defRPr sz="2427"/>
+            <a:lvl2pPr marL="2560320" indent="0">
+              <a:buNone/>
+              <a:defRPr sz="15680"/>
             </a:lvl2pPr>
-            <a:lvl3pPr marL="792510" indent="0">
-              <a:buNone/>
-              <a:defRPr sz="2080"/>
+            <a:lvl3pPr marL="5120640" indent="0">
+              <a:buNone/>
+              <a:defRPr sz="13440"/>
             </a:lvl3pPr>
-            <a:lvl4pPr marL="1188766" indent="0">
-              <a:buNone/>
-              <a:defRPr sz="1733"/>
+            <a:lvl4pPr marL="7680960" indent="0">
+              <a:buNone/>
+              <a:defRPr sz="11200"/>
             </a:lvl4pPr>
-            <a:lvl5pPr marL="1585021" indent="0">
-              <a:buNone/>
-              <a:defRPr sz="1733"/>
+            <a:lvl5pPr marL="10241280" indent="0">
+              <a:buNone/>
+              <a:defRPr sz="11200"/>
             </a:lvl5pPr>
-            <a:lvl6pPr marL="1981276" indent="0">
-              <a:buNone/>
-              <a:defRPr sz="1733"/>
+            <a:lvl6pPr marL="12801600" indent="0">
+              <a:buNone/>
+              <a:defRPr sz="11200"/>
             </a:lvl6pPr>
-            <a:lvl7pPr marL="2377531" indent="0">
-              <a:buNone/>
-              <a:defRPr sz="1733"/>
+            <a:lvl7pPr marL="15361920" indent="0">
+              <a:buNone/>
+              <a:defRPr sz="11200"/>
             </a:lvl7pPr>
-            <a:lvl8pPr marL="2773787" indent="0">
-              <a:buNone/>
-              <a:defRPr sz="1733"/>
+            <a:lvl8pPr marL="17922240" indent="0">
+              <a:buNone/>
+              <a:defRPr sz="11200"/>
             </a:lvl8pPr>
-            <a:lvl9pPr marL="3170042" indent="0">
-              <a:buNone/>
-              <a:defRPr sz="1733"/>
+            <a:lvl9pPr marL="20482560" indent="0">
+              <a:buNone/>
+              <a:defRPr sz="11200"/>
             </a:lvl9pPr>
           </a:lstStyle>
           <a:p>
@@ -2280,8 +2284,8 @@
         </p:nvSpPr>
         <p:spPr>
           <a:xfrm>
-            <a:off x="3527112" y="1783080"/>
-            <a:ext cx="16515395" cy="3303376"/>
+            <a:off x="3527110" y="15361920"/>
+            <a:ext cx="16515397" cy="28459857"/>
           </a:xfrm>
         </p:spPr>
         <p:txBody>
@@ -2289,39 +2293,39 @@
           <a:lstStyle>
             <a:lvl1pPr marL="0" indent="0">
               <a:buNone/>
-              <a:defRPr sz="1387"/>
+              <a:defRPr sz="8960"/>
             </a:lvl1pPr>
-            <a:lvl2pPr marL="396255" indent="0">
-              <a:buNone/>
-              <a:defRPr sz="1213"/>
+            <a:lvl2pPr marL="2560320" indent="0">
+              <a:buNone/>
+              <a:defRPr sz="7840"/>
             </a:lvl2pPr>
-            <a:lvl3pPr marL="792510" indent="0">
-              <a:buNone/>
-              <a:defRPr sz="1040"/>
+            <a:lvl3pPr marL="5120640" indent="0">
+              <a:buNone/>
+              <a:defRPr sz="6720"/>
             </a:lvl3pPr>
-            <a:lvl4pPr marL="1188766" indent="0">
-              <a:buNone/>
-              <a:defRPr sz="867"/>
+            <a:lvl4pPr marL="7680960" indent="0">
+              <a:buNone/>
+              <a:defRPr sz="5600"/>
             </a:lvl4pPr>
-            <a:lvl5pPr marL="1585021" indent="0">
-              <a:buNone/>
-              <a:defRPr sz="867"/>
+            <a:lvl5pPr marL="10241280" indent="0">
+              <a:buNone/>
+              <a:defRPr sz="5600"/>
             </a:lvl5pPr>
-            <a:lvl6pPr marL="1981276" indent="0">
-              <a:buNone/>
-              <a:defRPr sz="867"/>
+            <a:lvl6pPr marL="12801600" indent="0">
+              <a:buNone/>
+              <a:defRPr sz="5600"/>
             </a:lvl6pPr>
-            <a:lvl7pPr marL="2377531" indent="0">
-              <a:buNone/>
-              <a:defRPr sz="867"/>
+            <a:lvl7pPr marL="15361920" indent="0">
+              <a:buNone/>
+              <a:defRPr sz="5600"/>
             </a:lvl7pPr>
-            <a:lvl8pPr marL="2773787" indent="0">
-              <a:buNone/>
-              <a:defRPr sz="867"/>
+            <a:lvl8pPr marL="17922240" indent="0">
+              <a:buNone/>
+              <a:defRPr sz="5600"/>
             </a:lvl8pPr>
-            <a:lvl9pPr marL="3170042" indent="0">
-              <a:buNone/>
-              <a:defRPr sz="867"/>
+            <a:lvl9pPr marL="20482560" indent="0">
+              <a:buNone/>
+              <a:defRPr sz="5600"/>
             </a:lvl9pPr>
           </a:lstStyle>
           <a:p>
@@ -2350,7 +2354,7 @@
           <a:p>
             <a:fld id="{4FC668C3-4E25-41EF-B5F7-F4E460CC6D74}" type="datetimeFigureOut">
               <a:rPr lang="en-US" smtClean="0"/>
-              <a:t>7/22/2020</a:t>
+              <a:t>7/25/2020</a:t>
             </a:fld>
             <a:endParaRPr lang="en-US"/>
           </a:p>
@@ -2401,7 +2405,7 @@
     </p:spTree>
     <p:extLst>
       <p:ext uri="{BB962C8B-B14F-4D97-AF65-F5344CB8AC3E}">
-        <p14:creationId xmlns:p14="http://schemas.microsoft.com/office/powerpoint/2010/main" val="1620458915"/>
+        <p14:creationId xmlns:p14="http://schemas.microsoft.com/office/powerpoint/2010/main" val="1526769857"/>
       </p:ext>
     </p:extLst>
   </p:cSld>
@@ -2445,8 +2449,8 @@
         </p:nvSpPr>
         <p:spPr>
           <a:xfrm>
-            <a:off x="3520440" y="316442"/>
-            <a:ext cx="44165520" cy="1148821"/>
+            <a:off x="3520440" y="2726278"/>
+            <a:ext cx="44165520" cy="9897537"/>
           </a:xfrm>
           <a:prstGeom prst="rect">
             <a:avLst/>
@@ -2478,8 +2482,8 @@
         </p:nvSpPr>
         <p:spPr>
           <a:xfrm>
-            <a:off x="3520440" y="1582208"/>
-            <a:ext cx="44165520" cy="3771160"/>
+            <a:off x="3520440" y="13631334"/>
+            <a:ext cx="44165520" cy="32489990"/>
           </a:xfrm>
           <a:prstGeom prst="rect">
             <a:avLst/>
@@ -2540,8 +2544,8 @@
         </p:nvSpPr>
         <p:spPr>
           <a:xfrm>
-            <a:off x="3520440" y="5508837"/>
-            <a:ext cx="11521440" cy="316442"/>
+            <a:off x="3520440" y="47460758"/>
+            <a:ext cx="11521440" cy="2726267"/>
           </a:xfrm>
           <a:prstGeom prst="rect">
             <a:avLst/>
@@ -2551,7 +2555,7 @@
           <a:bodyPr vert="horz" lIns="91440" tIns="45720" rIns="91440" bIns="45720" rtlCol="0" anchor="ctr"/>
           <a:lstStyle>
             <a:lvl1pPr algn="l">
-              <a:defRPr sz="1040">
+              <a:defRPr sz="6720">
                 <a:solidFill>
                   <a:schemeClr val="tx1">
                     <a:tint val="75000"/>
@@ -2563,7 +2567,7 @@
           <a:p>
             <a:fld id="{4FC668C3-4E25-41EF-B5F7-F4E460CC6D74}" type="datetimeFigureOut">
               <a:rPr lang="en-US" smtClean="0"/>
-              <a:t>7/22/2020</a:t>
+              <a:t>7/25/2020</a:t>
             </a:fld>
             <a:endParaRPr lang="en-US"/>
           </a:p>
@@ -2581,8 +2585,8 @@
         </p:nvSpPr>
         <p:spPr>
           <a:xfrm>
-            <a:off x="16962120" y="5508837"/>
-            <a:ext cx="17282160" cy="316442"/>
+            <a:off x="16962120" y="47460758"/>
+            <a:ext cx="17282160" cy="2726267"/>
           </a:xfrm>
           <a:prstGeom prst="rect">
             <a:avLst/>
@@ -2592,7 +2596,7 @@
           <a:bodyPr vert="horz" lIns="91440" tIns="45720" rIns="91440" bIns="45720" rtlCol="0" anchor="ctr"/>
           <a:lstStyle>
             <a:lvl1pPr algn="ctr">
-              <a:defRPr sz="1040">
+              <a:defRPr sz="6720">
                 <a:solidFill>
                   <a:schemeClr val="tx1">
                     <a:tint val="75000"/>
@@ -2618,8 +2622,8 @@
         </p:nvSpPr>
         <p:spPr>
           <a:xfrm>
-            <a:off x="36164520" y="5508837"/>
-            <a:ext cx="11521440" cy="316442"/>
+            <a:off x="36164520" y="47460758"/>
+            <a:ext cx="11521440" cy="2726267"/>
           </a:xfrm>
           <a:prstGeom prst="rect">
             <a:avLst/>
@@ -2629,7 +2633,7 @@
           <a:bodyPr vert="horz" lIns="91440" tIns="45720" rIns="91440" bIns="45720" rtlCol="0" anchor="ctr"/>
           <a:lstStyle>
             <a:lvl1pPr algn="r">
-              <a:defRPr sz="1040">
+              <a:defRPr sz="6720">
                 <a:solidFill>
                   <a:schemeClr val="tx1">
                     <a:tint val="75000"/>
@@ -2650,27 +2654,27 @@
     </p:spTree>
     <p:extLst>
       <p:ext uri="{BB962C8B-B14F-4D97-AF65-F5344CB8AC3E}">
-        <p14:creationId xmlns:p14="http://schemas.microsoft.com/office/powerpoint/2010/main" val="1906943561"/>
+        <p14:creationId xmlns:p14="http://schemas.microsoft.com/office/powerpoint/2010/main" val="4114725562"/>
       </p:ext>
     </p:extLst>
   </p:cSld>
   <p:clrMap bg1="lt1" tx1="dk1" bg2="lt2" tx2="dk2" accent1="accent1" accent2="accent2" accent3="accent3" accent4="accent4" accent5="accent5" accent6="accent6" hlink="hlink" folHlink="folHlink"/>
   <p:sldLayoutIdLst>
-    <p:sldLayoutId id="2147483661" r:id="rId1"/>
-    <p:sldLayoutId id="2147483662" r:id="rId2"/>
-    <p:sldLayoutId id="2147483663" r:id="rId3"/>
-    <p:sldLayoutId id="2147483664" r:id="rId4"/>
-    <p:sldLayoutId id="2147483665" r:id="rId5"/>
-    <p:sldLayoutId id="2147483666" r:id="rId6"/>
-    <p:sldLayoutId id="2147483667" r:id="rId7"/>
-    <p:sldLayoutId id="2147483668" r:id="rId8"/>
-    <p:sldLayoutId id="2147483669" r:id="rId9"/>
-    <p:sldLayoutId id="2147483670" r:id="rId10"/>
-    <p:sldLayoutId id="2147483671" r:id="rId11"/>
+    <p:sldLayoutId id="2147483673" r:id="rId1"/>
+    <p:sldLayoutId id="2147483674" r:id="rId2"/>
+    <p:sldLayoutId id="2147483675" r:id="rId3"/>
+    <p:sldLayoutId id="2147483676" r:id="rId4"/>
+    <p:sldLayoutId id="2147483677" r:id="rId5"/>
+    <p:sldLayoutId id="2147483678" r:id="rId6"/>
+    <p:sldLayoutId id="2147483679" r:id="rId7"/>
+    <p:sldLayoutId id="2147483680" r:id="rId8"/>
+    <p:sldLayoutId id="2147483681" r:id="rId9"/>
+    <p:sldLayoutId id="2147483682" r:id="rId10"/>
+    <p:sldLayoutId id="2147483683" r:id="rId11"/>
   </p:sldLayoutIdLst>
   <p:txStyles>
     <p:titleStyle>
-      <a:lvl1pPr algn="l" defTabSz="792510" rtl="0" eaLnBrk="1" latinLnBrk="0" hangingPunct="1">
+      <a:lvl1pPr algn="l" defTabSz="5120640" rtl="0" eaLnBrk="1" latinLnBrk="0" hangingPunct="1">
         <a:lnSpc>
           <a:spcPct val="90000"/>
         </a:lnSpc>
@@ -2678,7 +2682,7 @@
           <a:spcPct val="0"/>
         </a:spcBef>
         <a:buNone/>
-        <a:defRPr sz="3813" kern="1200">
+        <a:defRPr sz="24640" kern="1200">
           <a:solidFill>
             <a:schemeClr val="tx1"/>
           </a:solidFill>
@@ -2689,16 +2693,16 @@
       </a:lvl1pPr>
     </p:titleStyle>
     <p:bodyStyle>
-      <a:lvl1pPr marL="198128" indent="-198128" algn="l" defTabSz="792510" rtl="0" eaLnBrk="1" latinLnBrk="0" hangingPunct="1">
+      <a:lvl1pPr marL="1280160" indent="-1280160" algn="l" defTabSz="5120640" rtl="0" eaLnBrk="1" latinLnBrk="0" hangingPunct="1">
         <a:lnSpc>
           <a:spcPct val="90000"/>
         </a:lnSpc>
         <a:spcBef>
-          <a:spcPts val="867"/>
+          <a:spcPts val="5600"/>
         </a:spcBef>
         <a:buFont typeface="Arial" panose="020B0604020202020204" pitchFamily="34" charset="0"/>
         <a:buChar char="•"/>
-        <a:defRPr sz="2427" kern="1200">
+        <a:defRPr sz="15680" kern="1200">
           <a:solidFill>
             <a:schemeClr val="tx1"/>
           </a:solidFill>
@@ -2707,16 +2711,16 @@
           <a:cs typeface="+mn-cs"/>
         </a:defRPr>
       </a:lvl1pPr>
-      <a:lvl2pPr marL="594383" indent="-198128" algn="l" defTabSz="792510" rtl="0" eaLnBrk="1" latinLnBrk="0" hangingPunct="1">
+      <a:lvl2pPr marL="3840480" indent="-1280160" algn="l" defTabSz="5120640" rtl="0" eaLnBrk="1" latinLnBrk="0" hangingPunct="1">
         <a:lnSpc>
           <a:spcPct val="90000"/>
         </a:lnSpc>
         <a:spcBef>
-          <a:spcPts val="433"/>
+          <a:spcPts val="2800"/>
         </a:spcBef>
         <a:buFont typeface="Arial" panose="020B0604020202020204" pitchFamily="34" charset="0"/>
         <a:buChar char="•"/>
-        <a:defRPr sz="2080" kern="1200">
+        <a:defRPr sz="13440" kern="1200">
           <a:solidFill>
             <a:schemeClr val="tx1"/>
           </a:solidFill>
@@ -2725,16 +2729,16 @@
           <a:cs typeface="+mn-cs"/>
         </a:defRPr>
       </a:lvl2pPr>
-      <a:lvl3pPr marL="990638" indent="-198128" algn="l" defTabSz="792510" rtl="0" eaLnBrk="1" latinLnBrk="0" hangingPunct="1">
+      <a:lvl3pPr marL="6400800" indent="-1280160" algn="l" defTabSz="5120640" rtl="0" eaLnBrk="1" latinLnBrk="0" hangingPunct="1">
         <a:lnSpc>
           <a:spcPct val="90000"/>
         </a:lnSpc>
         <a:spcBef>
-          <a:spcPts val="433"/>
+          <a:spcPts val="2800"/>
         </a:spcBef>
         <a:buFont typeface="Arial" panose="020B0604020202020204" pitchFamily="34" charset="0"/>
         <a:buChar char="•"/>
-        <a:defRPr sz="1733" kern="1200">
+        <a:defRPr sz="11200" kern="1200">
           <a:solidFill>
             <a:schemeClr val="tx1"/>
           </a:solidFill>
@@ -2743,16 +2747,16 @@
           <a:cs typeface="+mn-cs"/>
         </a:defRPr>
       </a:lvl3pPr>
-      <a:lvl4pPr marL="1386893" indent="-198128" algn="l" defTabSz="792510" rtl="0" eaLnBrk="1" latinLnBrk="0" hangingPunct="1">
+      <a:lvl4pPr marL="8961120" indent="-1280160" algn="l" defTabSz="5120640" rtl="0" eaLnBrk="1" latinLnBrk="0" hangingPunct="1">
         <a:lnSpc>
           <a:spcPct val="90000"/>
         </a:lnSpc>
         <a:spcBef>
-          <a:spcPts val="433"/>
+          <a:spcPts val="2800"/>
         </a:spcBef>
         <a:buFont typeface="Arial" panose="020B0604020202020204" pitchFamily="34" charset="0"/>
         <a:buChar char="•"/>
-        <a:defRPr sz="1560" kern="1200">
+        <a:defRPr sz="10080" kern="1200">
           <a:solidFill>
             <a:schemeClr val="tx1"/>
           </a:solidFill>
@@ -2761,16 +2765,16 @@
           <a:cs typeface="+mn-cs"/>
         </a:defRPr>
       </a:lvl4pPr>
-      <a:lvl5pPr marL="1783149" indent="-198128" algn="l" defTabSz="792510" rtl="0" eaLnBrk="1" latinLnBrk="0" hangingPunct="1">
+      <a:lvl5pPr marL="11521440" indent="-1280160" algn="l" defTabSz="5120640" rtl="0" eaLnBrk="1" latinLnBrk="0" hangingPunct="1">
         <a:lnSpc>
           <a:spcPct val="90000"/>
         </a:lnSpc>
         <a:spcBef>
-          <a:spcPts val="433"/>
+          <a:spcPts val="2800"/>
         </a:spcBef>
         <a:buFont typeface="Arial" panose="020B0604020202020204" pitchFamily="34" charset="0"/>
         <a:buChar char="•"/>
-        <a:defRPr sz="1560" kern="1200">
+        <a:defRPr sz="10080" kern="1200">
           <a:solidFill>
             <a:schemeClr val="tx1"/>
           </a:solidFill>
@@ -2779,16 +2783,16 @@
           <a:cs typeface="+mn-cs"/>
         </a:defRPr>
       </a:lvl5pPr>
-      <a:lvl6pPr marL="2179404" indent="-198128" algn="l" defTabSz="792510" rtl="0" eaLnBrk="1" latinLnBrk="0" hangingPunct="1">
+      <a:lvl6pPr marL="14081760" indent="-1280160" algn="l" defTabSz="5120640" rtl="0" eaLnBrk="1" latinLnBrk="0" hangingPunct="1">
         <a:lnSpc>
           <a:spcPct val="90000"/>
         </a:lnSpc>
         <a:spcBef>
-          <a:spcPts val="433"/>
+          <a:spcPts val="2800"/>
         </a:spcBef>
         <a:buFont typeface="Arial" panose="020B0604020202020204" pitchFamily="34" charset="0"/>
         <a:buChar char="•"/>
-        <a:defRPr sz="1560" kern="1200">
+        <a:defRPr sz="10080" kern="1200">
           <a:solidFill>
             <a:schemeClr val="tx1"/>
           </a:solidFill>
@@ -2797,16 +2801,16 @@
           <a:cs typeface="+mn-cs"/>
         </a:defRPr>
       </a:lvl6pPr>
-      <a:lvl7pPr marL="2575659" indent="-198128" algn="l" defTabSz="792510" rtl="0" eaLnBrk="1" latinLnBrk="0" hangingPunct="1">
+      <a:lvl7pPr marL="16642080" indent="-1280160" algn="l" defTabSz="5120640" rtl="0" eaLnBrk="1" latinLnBrk="0" hangingPunct="1">
         <a:lnSpc>
           <a:spcPct val="90000"/>
         </a:lnSpc>
         <a:spcBef>
-          <a:spcPts val="433"/>
+          <a:spcPts val="2800"/>
         </a:spcBef>
         <a:buFont typeface="Arial" panose="020B0604020202020204" pitchFamily="34" charset="0"/>
         <a:buChar char="•"/>
-        <a:defRPr sz="1560" kern="1200">
+        <a:defRPr sz="10080" kern="1200">
           <a:solidFill>
             <a:schemeClr val="tx1"/>
           </a:solidFill>
@@ -2815,16 +2819,16 @@
           <a:cs typeface="+mn-cs"/>
         </a:defRPr>
       </a:lvl7pPr>
-      <a:lvl8pPr marL="2971914" indent="-198128" algn="l" defTabSz="792510" rtl="0" eaLnBrk="1" latinLnBrk="0" hangingPunct="1">
+      <a:lvl8pPr marL="19202400" indent="-1280160" algn="l" defTabSz="5120640" rtl="0" eaLnBrk="1" latinLnBrk="0" hangingPunct="1">
         <a:lnSpc>
           <a:spcPct val="90000"/>
         </a:lnSpc>
         <a:spcBef>
-          <a:spcPts val="433"/>
+          <a:spcPts val="2800"/>
         </a:spcBef>
         <a:buFont typeface="Arial" panose="020B0604020202020204" pitchFamily="34" charset="0"/>
         <a:buChar char="•"/>
-        <a:defRPr sz="1560" kern="1200">
+        <a:defRPr sz="10080" kern="1200">
           <a:solidFill>
             <a:schemeClr val="tx1"/>
           </a:solidFill>
@@ -2833,16 +2837,16 @@
           <a:cs typeface="+mn-cs"/>
         </a:defRPr>
       </a:lvl8pPr>
-      <a:lvl9pPr marL="3368170" indent="-198128" algn="l" defTabSz="792510" rtl="0" eaLnBrk="1" latinLnBrk="0" hangingPunct="1">
+      <a:lvl9pPr marL="21762720" indent="-1280160" algn="l" defTabSz="5120640" rtl="0" eaLnBrk="1" latinLnBrk="0" hangingPunct="1">
         <a:lnSpc>
           <a:spcPct val="90000"/>
         </a:lnSpc>
         <a:spcBef>
-          <a:spcPts val="433"/>
+          <a:spcPts val="2800"/>
         </a:spcBef>
         <a:buFont typeface="Arial" panose="020B0604020202020204" pitchFamily="34" charset="0"/>
         <a:buChar char="•"/>
-        <a:defRPr sz="1560" kern="1200">
+        <a:defRPr sz="10080" kern="1200">
           <a:solidFill>
             <a:schemeClr val="tx1"/>
           </a:solidFill>
@@ -2856,8 +2860,8 @@
       <a:defPPr>
         <a:defRPr lang="en-US"/>
       </a:defPPr>
-      <a:lvl1pPr marL="0" algn="l" defTabSz="792510" rtl="0" eaLnBrk="1" latinLnBrk="0" hangingPunct="1">
-        <a:defRPr sz="1560" kern="1200">
+      <a:lvl1pPr marL="0" algn="l" defTabSz="5120640" rtl="0" eaLnBrk="1" latinLnBrk="0" hangingPunct="1">
+        <a:defRPr sz="10080" kern="1200">
           <a:solidFill>
             <a:schemeClr val="tx1"/>
           </a:solidFill>
@@ -2866,8 +2870,8 @@
           <a:cs typeface="+mn-cs"/>
         </a:defRPr>
       </a:lvl1pPr>
-      <a:lvl2pPr marL="396255" algn="l" defTabSz="792510" rtl="0" eaLnBrk="1" latinLnBrk="0" hangingPunct="1">
-        <a:defRPr sz="1560" kern="1200">
+      <a:lvl2pPr marL="2560320" algn="l" defTabSz="5120640" rtl="0" eaLnBrk="1" latinLnBrk="0" hangingPunct="1">
+        <a:defRPr sz="10080" kern="1200">
           <a:solidFill>
             <a:schemeClr val="tx1"/>
           </a:solidFill>
@@ -2876,8 +2880,8 @@
           <a:cs typeface="+mn-cs"/>
         </a:defRPr>
       </a:lvl2pPr>
-      <a:lvl3pPr marL="792510" algn="l" defTabSz="792510" rtl="0" eaLnBrk="1" latinLnBrk="0" hangingPunct="1">
-        <a:defRPr sz="1560" kern="1200">
+      <a:lvl3pPr marL="5120640" algn="l" defTabSz="5120640" rtl="0" eaLnBrk="1" latinLnBrk="0" hangingPunct="1">
+        <a:defRPr sz="10080" kern="1200">
           <a:solidFill>
             <a:schemeClr val="tx1"/>
           </a:solidFill>
@@ -2886,8 +2890,8 @@
           <a:cs typeface="+mn-cs"/>
         </a:defRPr>
       </a:lvl3pPr>
-      <a:lvl4pPr marL="1188766" algn="l" defTabSz="792510" rtl="0" eaLnBrk="1" latinLnBrk="0" hangingPunct="1">
-        <a:defRPr sz="1560" kern="1200">
+      <a:lvl4pPr marL="7680960" algn="l" defTabSz="5120640" rtl="0" eaLnBrk="1" latinLnBrk="0" hangingPunct="1">
+        <a:defRPr sz="10080" kern="1200">
           <a:solidFill>
             <a:schemeClr val="tx1"/>
           </a:solidFill>
@@ -2896,8 +2900,8 @@
           <a:cs typeface="+mn-cs"/>
         </a:defRPr>
       </a:lvl4pPr>
-      <a:lvl5pPr marL="1585021" algn="l" defTabSz="792510" rtl="0" eaLnBrk="1" latinLnBrk="0" hangingPunct="1">
-        <a:defRPr sz="1560" kern="1200">
+      <a:lvl5pPr marL="10241280" algn="l" defTabSz="5120640" rtl="0" eaLnBrk="1" latinLnBrk="0" hangingPunct="1">
+        <a:defRPr sz="10080" kern="1200">
           <a:solidFill>
             <a:schemeClr val="tx1"/>
           </a:solidFill>
@@ -2906,8 +2910,8 @@
           <a:cs typeface="+mn-cs"/>
         </a:defRPr>
       </a:lvl5pPr>
-      <a:lvl6pPr marL="1981276" algn="l" defTabSz="792510" rtl="0" eaLnBrk="1" latinLnBrk="0" hangingPunct="1">
-        <a:defRPr sz="1560" kern="1200">
+      <a:lvl6pPr marL="12801600" algn="l" defTabSz="5120640" rtl="0" eaLnBrk="1" latinLnBrk="0" hangingPunct="1">
+        <a:defRPr sz="10080" kern="1200">
           <a:solidFill>
             <a:schemeClr val="tx1"/>
           </a:solidFill>
@@ -2916,8 +2920,8 @@
           <a:cs typeface="+mn-cs"/>
         </a:defRPr>
       </a:lvl6pPr>
-      <a:lvl7pPr marL="2377531" algn="l" defTabSz="792510" rtl="0" eaLnBrk="1" latinLnBrk="0" hangingPunct="1">
-        <a:defRPr sz="1560" kern="1200">
+      <a:lvl7pPr marL="15361920" algn="l" defTabSz="5120640" rtl="0" eaLnBrk="1" latinLnBrk="0" hangingPunct="1">
+        <a:defRPr sz="10080" kern="1200">
           <a:solidFill>
             <a:schemeClr val="tx1"/>
           </a:solidFill>
@@ -2926,8 +2930,8 @@
           <a:cs typeface="+mn-cs"/>
         </a:defRPr>
       </a:lvl7pPr>
-      <a:lvl8pPr marL="2773787" algn="l" defTabSz="792510" rtl="0" eaLnBrk="1" latinLnBrk="0" hangingPunct="1">
-        <a:defRPr sz="1560" kern="1200">
+      <a:lvl8pPr marL="17922240" algn="l" defTabSz="5120640" rtl="0" eaLnBrk="1" latinLnBrk="0" hangingPunct="1">
+        <a:defRPr sz="10080" kern="1200">
           <a:solidFill>
             <a:schemeClr val="tx1"/>
           </a:solidFill>
@@ -2936,8 +2940,8 @@
           <a:cs typeface="+mn-cs"/>
         </a:defRPr>
       </a:lvl8pPr>
-      <a:lvl9pPr marL="3170042" algn="l" defTabSz="792510" rtl="0" eaLnBrk="1" latinLnBrk="0" hangingPunct="1">
-        <a:defRPr sz="1560" kern="1200">
+      <a:lvl9pPr marL="20482560" algn="l" defTabSz="5120640" rtl="0" eaLnBrk="1" latinLnBrk="0" hangingPunct="1">
+        <a:defRPr sz="10080" kern="1200">
           <a:solidFill>
             <a:schemeClr val="tx1"/>
           </a:solidFill>
@@ -2957,7 +2961,7 @@
     <p:bg>
       <p:bgPr>
         <a:solidFill>
-          <a:srgbClr val="7030A0"/>
+          <a:srgbClr val="0FCA42"/>
         </a:solidFill>
         <a:effectLst/>
       </p:bgPr>
@@ -2978,10 +2982,10 @@
       </p:grpSpPr>
       <p:sp>
         <p:nvSpPr>
-          <p:cNvPr id="4" name="Rectangle 3">
+          <p:cNvPr id="6" name="Rectangle 5">
             <a:extLst>
               <a:ext uri="{FF2B5EF4-FFF2-40B4-BE49-F238E27FC236}">
-                <a16:creationId xmlns:a16="http://schemas.microsoft.com/office/drawing/2014/main" id="{E4C7238C-7139-4D7B-AB87-48EB8EDDF11A}"/>
+                <a16:creationId xmlns:a16="http://schemas.microsoft.com/office/drawing/2014/main" id="{DE50E208-6260-4B60-B4B7-E4F6F8379834}"/>
               </a:ext>
             </a:extLst>
           </p:cNvPr>
@@ -2990,8 +2994,8 @@
         </p:nvSpPr>
         <p:spPr>
           <a:xfrm>
-            <a:off x="20898322" y="626133"/>
-            <a:ext cx="9409755" cy="1926681"/>
+            <a:off x="13472314" y="-5220623"/>
+            <a:ext cx="24261771" cy="61647645"/>
           </a:xfrm>
           <a:prstGeom prst="rect">
             <a:avLst/>
@@ -2999,274 +3003,118 @@
           <a:noFill/>
         </p:spPr>
         <p:txBody>
-          <a:bodyPr wrap="none" lIns="79248" tIns="39624" rIns="79248" bIns="39624">
+          <a:bodyPr wrap="none" lIns="91440" tIns="45720" rIns="91440" bIns="45720">
             <a:spAutoFit/>
           </a:bodyPr>
           <a:lstStyle/>
           <a:p>
             <a:pPr algn="ctr"/>
             <a:r>
-              <a:rPr lang="en-US" sz="12000" spc="44" dirty="0">
-                <a:ln w="0"/>
-                <a:solidFill>
-                  <a:schemeClr val="bg1"/>
-                </a:solidFill>
+              <a:rPr lang="en-US" sz="400000" b="1" dirty="0">
+                <a:ln w="9525">
+                  <a:solidFill>
+                    <a:schemeClr val="bg1"/>
+                  </a:solidFill>
+                  <a:prstDash val="solid"/>
+                </a:ln>
                 <a:effectLst>
-                  <a:innerShdw blurRad="63500" dist="50800" dir="13500000">
-                    <a:srgbClr val="000000">
-                      <a:alpha val="50000"/>
-                    </a:srgbClr>
-                  </a:innerShdw>
+                  <a:outerShdw blurRad="12700" dist="38100" dir="2700000" algn="tl" rotWithShape="0">
+                    <a:schemeClr val="bg1">
+                      <a:lumMod val="50000"/>
+                    </a:schemeClr>
+                  </a:outerShdw>
                 </a:effectLst>
-                <a:latin typeface="Georgia" panose="02040502050405020303" pitchFamily="18" charset="0"/>
+                <a:latin typeface="Agency FB" panose="020B0503020202020204" pitchFamily="34" charset="0"/>
               </a:rPr>
-              <a:t>Follow me on</a:t>
-            </a:r>
-          </a:p>
-        </p:txBody>
-      </p:sp>
-      <p:pic>
-        <p:nvPicPr>
-          <p:cNvPr id="5" name="Graphic 4">
-            <a:hlinkClick r:id="rId2"/>
+              <a:t>8</a:t>
+            </a:r>
+          </a:p>
+        </p:txBody>
+      </p:sp>
+    </p:spTree>
+    <p:extLst>
+      <p:ext uri="{BB962C8B-B14F-4D97-AF65-F5344CB8AC3E}">
+        <p14:creationId xmlns:p14="http://schemas.microsoft.com/office/powerpoint/2010/main" val="4279851374"/>
+      </p:ext>
+    </p:extLst>
+  </p:cSld>
+  <p:clrMapOvr>
+    <a:masterClrMapping/>
+  </p:clrMapOvr>
+</p:sld>
+</file>
+
+<file path=ppt/slides/slide2.xml><?xml version="1.0" encoding="utf-8"?>
+<p:sld xmlns:a="http://schemas.openxmlformats.org/drawingml/2006/main" xmlns:r="http://schemas.openxmlformats.org/officeDocument/2006/relationships" xmlns:p="http://schemas.openxmlformats.org/presentationml/2006/main">
+  <p:cSld>
+    <p:spTree>
+      <p:nvGrpSpPr>
+        <p:cNvPr id="1" name=""/>
+        <p:cNvGrpSpPr/>
+        <p:nvPr/>
+      </p:nvGrpSpPr>
+      <p:grpSpPr>
+        <a:xfrm>
+          <a:off x="0" y="0"/>
+          <a:ext cx="0" cy="0"/>
+          <a:chOff x="0" y="0"/>
+          <a:chExt cx="0" cy="0"/>
+        </a:xfrm>
+      </p:grpSpPr>
+      <p:sp>
+        <p:nvSpPr>
+          <p:cNvPr id="2" name="Title 1">
             <a:extLst>
               <a:ext uri="{FF2B5EF4-FFF2-40B4-BE49-F238E27FC236}">
-                <a16:creationId xmlns:a16="http://schemas.microsoft.com/office/drawing/2014/main" id="{0225CC36-BAC2-4449-BADA-1D78A06622F2}"/>
+                <a16:creationId xmlns:a16="http://schemas.microsoft.com/office/drawing/2014/main" id="{3E68649A-09C8-40CE-983B-B083B6B6DB93}"/>
               </a:ext>
             </a:extLst>
           </p:cNvPr>
-          <p:cNvPicPr>
-            <a:picLocks noChangeAspect="1"/>
-          </p:cNvPicPr>
-          <p:nvPr/>
-        </p:nvPicPr>
-        <p:blipFill>
-          <a:blip r:embed="rId3">
-            <a:extLst>
-              <a:ext uri="{28A0092B-C50C-407E-A947-70E740481C1C}">
-                <a14:useLocalDpi xmlns:a14="http://schemas.microsoft.com/office/drawing/2010/main" val="0"/>
-              </a:ext>
-              <a:ext uri="{96DAC541-7B7A-43D3-8B79-37D633B846F1}">
-                <asvg:svgBlip xmlns:asvg="http://schemas.microsoft.com/office/drawing/2016/SVG/main" r:embed="rId4"/>
-              </a:ext>
-            </a:extLst>
-          </a:blip>
-          <a:stretch>
-            <a:fillRect/>
-          </a:stretch>
-        </p:blipFill>
-        <p:spPr>
-          <a:xfrm>
-            <a:off x="22874508" y="2649137"/>
-            <a:ext cx="2591966" cy="2591966"/>
-          </a:xfrm>
-          <a:prstGeom prst="rect">
-            <a:avLst/>
-          </a:prstGeom>
-          <a:ln>
-            <a:noFill/>
-          </a:ln>
-          <a:effectLst>
-            <a:outerShdw blurRad="190500" dist="228600" dir="2700000" algn="ctr">
-              <a:srgbClr val="000000">
-                <a:alpha val="30000"/>
-              </a:srgbClr>
-            </a:outerShdw>
-          </a:effectLst>
-          <a:scene3d>
-            <a:camera prst="orthographicFront">
-              <a:rot lat="0" lon="0" rev="0"/>
-            </a:camera>
-            <a:lightRig rig="glow" dir="t">
-              <a:rot lat="0" lon="0" rev="4800000"/>
-            </a:lightRig>
-          </a:scene3d>
-          <a:sp3d prstMaterial="matte">
-            <a:bevelT w="127000" h="63500"/>
-          </a:sp3d>
-        </p:spPr>
-      </p:pic>
-      <p:pic>
-        <p:nvPicPr>
-          <p:cNvPr id="6" name="Picture 5">
+          <p:cNvSpPr>
+            <a:spLocks noGrp="1"/>
+          </p:cNvSpPr>
+          <p:nvPr>
+            <p:ph type="title"/>
+          </p:nvPr>
+        </p:nvSpPr>
+        <p:spPr/>
+        <p:txBody>
+          <a:bodyPr/>
+          <a:lstStyle/>
+          <a:p>
+            <a:endParaRPr lang="en-US"/>
+          </a:p>
+        </p:txBody>
+      </p:sp>
+      <p:sp>
+        <p:nvSpPr>
+          <p:cNvPr id="3" name="Content Placeholder 2">
             <a:extLst>
               <a:ext uri="{FF2B5EF4-FFF2-40B4-BE49-F238E27FC236}">
-                <a16:creationId xmlns:a16="http://schemas.microsoft.com/office/drawing/2014/main" id="{40F9C30B-27E4-45DA-81D1-867C06DC740B}"/>
+                <a16:creationId xmlns:a16="http://schemas.microsoft.com/office/drawing/2014/main" id="{0BE8F5F4-A7E7-4445-B3C0-96AD71402E11}"/>
               </a:ext>
             </a:extLst>
           </p:cNvPr>
-          <p:cNvPicPr>
-            <a:picLocks noChangeAspect="1"/>
-          </p:cNvPicPr>
-          <p:nvPr/>
-        </p:nvPicPr>
-        <p:blipFill>
-          <a:blip r:embed="rId5">
-            <a:extLst>
-              <a:ext uri="{28A0092B-C50C-407E-A947-70E740481C1C}">
-                <a14:useLocalDpi xmlns:a14="http://schemas.microsoft.com/office/drawing/2010/main" val="0"/>
-              </a:ext>
-            </a:extLst>
-          </a:blip>
-          <a:stretch>
-            <a:fillRect/>
-          </a:stretch>
-        </p:blipFill>
-        <p:spPr>
-          <a:xfrm>
-            <a:off x="26147624" y="2674014"/>
-            <a:ext cx="2591966" cy="2570184"/>
-          </a:xfrm>
-          <a:prstGeom prst="rect">
-            <a:avLst/>
-          </a:prstGeom>
-        </p:spPr>
-      </p:pic>
-      <p:sp>
-        <p:nvSpPr>
-          <p:cNvPr id="7" name="Rectangle 6">
-            <a:extLst>
-              <a:ext uri="{FF2B5EF4-FFF2-40B4-BE49-F238E27FC236}">
-                <a16:creationId xmlns:a16="http://schemas.microsoft.com/office/drawing/2014/main" id="{6DBD7B55-248E-4705-BF95-34CCC2F8A72C}"/>
-              </a:ext>
-            </a:extLst>
-          </p:cNvPr>
-          <p:cNvSpPr/>
-          <p:nvPr/>
-        </p:nvSpPr>
-        <p:spPr>
-          <a:xfrm>
-            <a:off x="41139938" y="4825604"/>
-            <a:ext cx="9648475" cy="830997"/>
-          </a:xfrm>
-          <a:prstGeom prst="rect">
-            <a:avLst/>
-          </a:prstGeom>
-          <a:noFill/>
-        </p:spPr>
-        <p:txBody>
-          <a:bodyPr wrap="square" lIns="91440" tIns="45720" rIns="91440" bIns="45720">
-            <a:spAutoFit/>
-          </a:bodyPr>
-          <a:lstStyle/>
-          <a:p>
-            <a:pPr algn="ctr"/>
-            <a:r>
-              <a:rPr lang="en-US" sz="4800" cap="none" spc="50" dirty="0">
-                <a:ln w="0"/>
-                <a:solidFill>
-                  <a:schemeClr val="bg1"/>
-                </a:solidFill>
-                <a:latin typeface="Arial" panose="020B0604020202020204" pitchFamily="34" charset="0"/>
-                <a:cs typeface="Arial" panose="020B0604020202020204" pitchFamily="34" charset="0"/>
-              </a:rPr>
-              <a:t>Build</a:t>
-            </a:r>
-            <a:r>
-              <a:rPr lang="en-US" sz="4800" cap="none" spc="50" dirty="0">
-                <a:ln w="0"/>
-                <a:solidFill>
-                  <a:srgbClr val="7030A0"/>
-                </a:solidFill>
-                <a:latin typeface="Arial" panose="020B0604020202020204" pitchFamily="34" charset="0"/>
-                <a:cs typeface="Arial" panose="020B0604020202020204" pitchFamily="34" charset="0"/>
-              </a:rPr>
-              <a:t> </a:t>
-            </a:r>
-            <a:r>
-              <a:rPr lang="en-US" sz="4800" cap="none" spc="50" dirty="0">
-                <a:ln w="0"/>
-                <a:solidFill>
-                  <a:schemeClr val="bg1"/>
-                </a:solidFill>
-                <a:latin typeface="Arial" panose="020B0604020202020204" pitchFamily="34" charset="0"/>
-                <a:cs typeface="Arial" panose="020B0604020202020204" pitchFamily="34" charset="0"/>
-              </a:rPr>
-              <a:t>with </a:t>
-            </a:r>
-            <a:r>
-              <a:rPr lang="en-US" sz="4000" dirty="0">
-                <a:ln>
-                  <a:solidFill>
-                    <a:schemeClr val="bg1"/>
-                  </a:solidFill>
-                </a:ln>
-                <a:solidFill>
-                  <a:schemeClr val="bg1"/>
-                </a:solidFill>
-                <a:latin typeface="Arial" panose="020B0604020202020204" pitchFamily="34" charset="0"/>
-                <a:cs typeface="Arial" panose="020B0604020202020204" pitchFamily="34" charset="0"/>
-              </a:rPr>
-              <a:t>❤ </a:t>
-            </a:r>
-            <a:r>
-              <a:rPr lang="en-US" sz="4800" cap="none" spc="50" dirty="0">
-                <a:ln w="0"/>
-                <a:solidFill>
-                  <a:schemeClr val="bg1"/>
-                </a:solidFill>
-                <a:latin typeface="Arial" panose="020B0604020202020204" pitchFamily="34" charset="0"/>
-                <a:cs typeface="Arial" panose="020B0604020202020204" pitchFamily="34" charset="0"/>
-              </a:rPr>
-              <a:t>by AS8 Organization</a:t>
-            </a:r>
-          </a:p>
-        </p:txBody>
-      </p:sp>
-      <p:sp>
-        <p:nvSpPr>
-          <p:cNvPr id="8" name="Rectangle 7">
-            <a:extLst>
-              <a:ext uri="{FF2B5EF4-FFF2-40B4-BE49-F238E27FC236}">
-                <a16:creationId xmlns:a16="http://schemas.microsoft.com/office/drawing/2014/main" id="{49DFBC37-F923-4233-973A-C0820811501F}"/>
-              </a:ext>
-            </a:extLst>
-          </p:cNvPr>
-          <p:cNvSpPr/>
-          <p:nvPr/>
-        </p:nvSpPr>
-        <p:spPr>
-          <a:xfrm>
-            <a:off x="417987" y="4825603"/>
-            <a:ext cx="13827402" cy="830997"/>
-          </a:xfrm>
-          <a:prstGeom prst="rect">
-            <a:avLst/>
-          </a:prstGeom>
-          <a:noFill/>
-        </p:spPr>
-        <p:txBody>
-          <a:bodyPr wrap="square" lIns="91440" tIns="45720" rIns="91440" bIns="45720">
-            <a:spAutoFit/>
-          </a:bodyPr>
-          <a:lstStyle/>
-          <a:p>
-            <a:pPr algn="ctr"/>
-            <a:r>
-              <a:rPr lang="en-US" sz="4800" dirty="0">
-                <a:solidFill>
-                  <a:schemeClr val="bg1"/>
-                </a:solidFill>
-                <a:latin typeface="Arial" panose="020B0604020202020204" pitchFamily="34" charset="0"/>
-                <a:cs typeface="Arial" panose="020B0604020202020204" pitchFamily="34" charset="0"/>
-              </a:rPr>
-              <a:t>© Ahammad Shawki 2020. All Rights' Reserved</a:t>
-            </a:r>
-            <a:endParaRPr lang="en-US" sz="11500" cap="none" spc="50" dirty="0">
-              <a:ln w="0"/>
-              <a:solidFill>
-                <a:schemeClr val="bg1"/>
-              </a:solidFill>
-              <a:latin typeface="Arial" panose="020B0604020202020204" pitchFamily="34" charset="0"/>
-              <a:cs typeface="Arial" panose="020B0604020202020204" pitchFamily="34" charset="0"/>
-            </a:endParaRPr>
+          <p:cNvSpPr>
+            <a:spLocks noGrp="1"/>
+          </p:cNvSpPr>
+          <p:nvPr>
+            <p:ph idx="1"/>
+          </p:nvPr>
+        </p:nvSpPr>
+        <p:spPr/>
+        <p:txBody>
+          <a:bodyPr/>
+          <a:lstStyle/>
+          <a:p>
+            <a:endParaRPr lang="en-US"/>
           </a:p>
         </p:txBody>
       </p:sp>
     </p:spTree>
     <p:extLst>
       <p:ext uri="{BB962C8B-B14F-4D97-AF65-F5344CB8AC3E}">
-        <p14:creationId xmlns:p14="http://schemas.microsoft.com/office/powerpoint/2010/main" val="3691143654"/>
+        <p14:creationId xmlns:p14="http://schemas.microsoft.com/office/powerpoint/2010/main" val="1724357458"/>
       </p:ext>
     </p:extLst>
   </p:cSld>

--- a/# Powerpoint Workshop/home.pptx
+++ b/# Powerpoint Workshop/home.pptx
@@ -6,7 +6,6 @@
   </p:sldMasterIdLst>
   <p:sldIdLst>
     <p:sldId id="256" r:id="rId2"/>
-    <p:sldId id="257" r:id="rId3"/>
   </p:sldIdLst>
   <p:sldSz cx="51206400" cy="51206400"/>
   <p:notesSz cx="6858000" cy="9144000"/>
@@ -244,7 +243,7 @@
           <a:p>
             <a:fld id="{4FC668C3-4E25-41EF-B5F7-F4E460CC6D74}" type="datetimeFigureOut">
               <a:rPr lang="en-US" smtClean="0"/>
-              <a:t>7/25/2020</a:t>
+              <a:t>9/25/2020</a:t>
             </a:fld>
             <a:endParaRPr lang="en-US"/>
           </a:p>
@@ -414,7 +413,7 @@
           <a:p>
             <a:fld id="{4FC668C3-4E25-41EF-B5F7-F4E460CC6D74}" type="datetimeFigureOut">
               <a:rPr lang="en-US" smtClean="0"/>
-              <a:t>7/25/2020</a:t>
+              <a:t>9/25/2020</a:t>
             </a:fld>
             <a:endParaRPr lang="en-US"/>
           </a:p>
@@ -594,7 +593,7 @@
           <a:p>
             <a:fld id="{4FC668C3-4E25-41EF-B5F7-F4E460CC6D74}" type="datetimeFigureOut">
               <a:rPr lang="en-US" smtClean="0"/>
-              <a:t>7/25/2020</a:t>
+              <a:t>9/25/2020</a:t>
             </a:fld>
             <a:endParaRPr lang="en-US"/>
           </a:p>
@@ -764,7 +763,7 @@
           <a:p>
             <a:fld id="{4FC668C3-4E25-41EF-B5F7-F4E460CC6D74}" type="datetimeFigureOut">
               <a:rPr lang="en-US" smtClean="0"/>
-              <a:t>7/25/2020</a:t>
+              <a:t>9/25/2020</a:t>
             </a:fld>
             <a:endParaRPr lang="en-US"/>
           </a:p>
@@ -1008,7 +1007,7 @@
           <a:p>
             <a:fld id="{4FC668C3-4E25-41EF-B5F7-F4E460CC6D74}" type="datetimeFigureOut">
               <a:rPr lang="en-US" smtClean="0"/>
-              <a:t>7/25/2020</a:t>
+              <a:t>9/25/2020</a:t>
             </a:fld>
             <a:endParaRPr lang="en-US"/>
           </a:p>
@@ -1240,7 +1239,7 @@
           <a:p>
             <a:fld id="{4FC668C3-4E25-41EF-B5F7-F4E460CC6D74}" type="datetimeFigureOut">
               <a:rPr lang="en-US" smtClean="0"/>
-              <a:t>7/25/2020</a:t>
+              <a:t>9/25/2020</a:t>
             </a:fld>
             <a:endParaRPr lang="en-US"/>
           </a:p>
@@ -1607,7 +1606,7 @@
           <a:p>
             <a:fld id="{4FC668C3-4E25-41EF-B5F7-F4E460CC6D74}" type="datetimeFigureOut">
               <a:rPr lang="en-US" smtClean="0"/>
-              <a:t>7/25/2020</a:t>
+              <a:t>9/25/2020</a:t>
             </a:fld>
             <a:endParaRPr lang="en-US"/>
           </a:p>
@@ -1725,7 +1724,7 @@
           <a:p>
             <a:fld id="{4FC668C3-4E25-41EF-B5F7-F4E460CC6D74}" type="datetimeFigureOut">
               <a:rPr lang="en-US" smtClean="0"/>
-              <a:t>7/25/2020</a:t>
+              <a:t>9/25/2020</a:t>
             </a:fld>
             <a:endParaRPr lang="en-US"/>
           </a:p>
@@ -1820,7 +1819,7 @@
           <a:p>
             <a:fld id="{4FC668C3-4E25-41EF-B5F7-F4E460CC6D74}" type="datetimeFigureOut">
               <a:rPr lang="en-US" smtClean="0"/>
-              <a:t>7/25/2020</a:t>
+              <a:t>9/25/2020</a:t>
             </a:fld>
             <a:endParaRPr lang="en-US"/>
           </a:p>
@@ -2097,7 +2096,7 @@
           <a:p>
             <a:fld id="{4FC668C3-4E25-41EF-B5F7-F4E460CC6D74}" type="datetimeFigureOut">
               <a:rPr lang="en-US" smtClean="0"/>
-              <a:t>7/25/2020</a:t>
+              <a:t>9/25/2020</a:t>
             </a:fld>
             <a:endParaRPr lang="en-US"/>
           </a:p>
@@ -2354,7 +2353,7 @@
           <a:p>
             <a:fld id="{4FC668C3-4E25-41EF-B5F7-F4E460CC6D74}" type="datetimeFigureOut">
               <a:rPr lang="en-US" smtClean="0"/>
-              <a:t>7/25/2020</a:t>
+              <a:t>9/25/2020</a:t>
             </a:fld>
             <a:endParaRPr lang="en-US"/>
           </a:p>
@@ -2567,7 +2566,7 @@
           <a:p>
             <a:fld id="{4FC668C3-4E25-41EF-B5F7-F4E460CC6D74}" type="datetimeFigureOut">
               <a:rPr lang="en-US" smtClean="0"/>
-              <a:t>7/25/2020</a:t>
+              <a:t>9/25/2020</a:t>
             </a:fld>
             <a:endParaRPr lang="en-US"/>
           </a:p>
@@ -3044,86 +3043,6 @@
 </p:sld>
 </file>
 
-<file path=ppt/slides/slide2.xml><?xml version="1.0" encoding="utf-8"?>
-<p:sld xmlns:a="http://schemas.openxmlformats.org/drawingml/2006/main" xmlns:r="http://schemas.openxmlformats.org/officeDocument/2006/relationships" xmlns:p="http://schemas.openxmlformats.org/presentationml/2006/main">
-  <p:cSld>
-    <p:spTree>
-      <p:nvGrpSpPr>
-        <p:cNvPr id="1" name=""/>
-        <p:cNvGrpSpPr/>
-        <p:nvPr/>
-      </p:nvGrpSpPr>
-      <p:grpSpPr>
-        <a:xfrm>
-          <a:off x="0" y="0"/>
-          <a:ext cx="0" cy="0"/>
-          <a:chOff x="0" y="0"/>
-          <a:chExt cx="0" cy="0"/>
-        </a:xfrm>
-      </p:grpSpPr>
-      <p:sp>
-        <p:nvSpPr>
-          <p:cNvPr id="2" name="Title 1">
-            <a:extLst>
-              <a:ext uri="{FF2B5EF4-FFF2-40B4-BE49-F238E27FC236}">
-                <a16:creationId xmlns:a16="http://schemas.microsoft.com/office/drawing/2014/main" id="{3E68649A-09C8-40CE-983B-B083B6B6DB93}"/>
-              </a:ext>
-            </a:extLst>
-          </p:cNvPr>
-          <p:cNvSpPr>
-            <a:spLocks noGrp="1"/>
-          </p:cNvSpPr>
-          <p:nvPr>
-            <p:ph type="title"/>
-          </p:nvPr>
-        </p:nvSpPr>
-        <p:spPr/>
-        <p:txBody>
-          <a:bodyPr/>
-          <a:lstStyle/>
-          <a:p>
-            <a:endParaRPr lang="en-US"/>
-          </a:p>
-        </p:txBody>
-      </p:sp>
-      <p:sp>
-        <p:nvSpPr>
-          <p:cNvPr id="3" name="Content Placeholder 2">
-            <a:extLst>
-              <a:ext uri="{FF2B5EF4-FFF2-40B4-BE49-F238E27FC236}">
-                <a16:creationId xmlns:a16="http://schemas.microsoft.com/office/drawing/2014/main" id="{0BE8F5F4-A7E7-4445-B3C0-96AD71402E11}"/>
-              </a:ext>
-            </a:extLst>
-          </p:cNvPr>
-          <p:cNvSpPr>
-            <a:spLocks noGrp="1"/>
-          </p:cNvSpPr>
-          <p:nvPr>
-            <p:ph idx="1"/>
-          </p:nvPr>
-        </p:nvSpPr>
-        <p:spPr/>
-        <p:txBody>
-          <a:bodyPr/>
-          <a:lstStyle/>
-          <a:p>
-            <a:endParaRPr lang="en-US"/>
-          </a:p>
-        </p:txBody>
-      </p:sp>
-    </p:spTree>
-    <p:extLst>
-      <p:ext uri="{BB962C8B-B14F-4D97-AF65-F5344CB8AC3E}">
-        <p14:creationId xmlns:p14="http://schemas.microsoft.com/office/powerpoint/2010/main" val="1724357458"/>
-      </p:ext>
-    </p:extLst>
-  </p:cSld>
-  <p:clrMapOvr>
-    <a:masterClrMapping/>
-  </p:clrMapOvr>
-</p:sld>
-</file>
-
 <file path=ppt/theme/theme1.xml><?xml version="1.0" encoding="utf-8"?>
 <a:theme xmlns:a="http://schemas.openxmlformats.org/drawingml/2006/main" name="Office Theme">
   <a:themeElements>
